--- a/note/07_1'st Project/sample_ver0624.pptx
+++ b/note/07_1'st Project/sample_ver0624.pptx
@@ -253,7 +253,7 @@
           <a:p>
             <a:fld id="{684ABEAC-FD1E-446D-854E-09142DFB339C}" type="datetimeFigureOut">
               <a:rPr lang="ko-KR" altLang="en-US" smtClean="0"/>
-              <a:t>2022-06-30</a:t>
+              <a:t>2022-07-11</a:t>
             </a:fld>
             <a:endParaRPr lang="ko-KR" altLang="en-US"/>
           </a:p>
@@ -418,7 +418,7 @@
           <a:p>
             <a:fld id="{E299D967-67B2-4132-B52D-A253871A1F24}" type="datetimeFigureOut">
               <a:rPr lang="ko-KR" altLang="en-US" smtClean="0"/>
-              <a:t>2022-06-30</a:t>
+              <a:t>2022-07-11</a:t>
             </a:fld>
             <a:endParaRPr lang="ko-KR" altLang="en-US"/>
           </a:p>
@@ -1128,7 +1128,7 @@
           <a:p>
             <a:fld id="{20303F18-CB98-4E85-A37B-EF5A4E6C8DE7}" type="datetime1">
               <a:rPr lang="ko-KR" altLang="en-US" smtClean="0"/>
-              <a:t>2022-06-30</a:t>
+              <a:t>2022-07-11</a:t>
             </a:fld>
             <a:endParaRPr lang="ko-KR" altLang="en-US"/>
           </a:p>
@@ -1301,7 +1301,7 @@
           <a:p>
             <a:fld id="{CCA16C65-58A5-46D5-A762-12670B92641B}" type="datetime1">
               <a:rPr lang="ko-KR" altLang="en-US" smtClean="0"/>
-              <a:t>2022-06-30</a:t>
+              <a:t>2022-07-11</a:t>
             </a:fld>
             <a:endParaRPr lang="ko-KR" altLang="en-US"/>
           </a:p>
@@ -1479,7 +1479,7 @@
           <a:p>
             <a:fld id="{2D09A68A-AC6E-41FE-B28C-2BB812CC2E01}" type="datetime1">
               <a:rPr lang="ko-KR" altLang="en-US" smtClean="0"/>
-              <a:t>2022-06-30</a:t>
+              <a:t>2022-07-11</a:t>
             </a:fld>
             <a:endParaRPr lang="ko-KR" altLang="en-US"/>
           </a:p>
@@ -1647,7 +1647,7 @@
           <a:p>
             <a:fld id="{690B8B09-A0F3-4880-B090-7FDDEE5B5065}" type="datetime1">
               <a:rPr lang="ko-KR" altLang="en-US" smtClean="0"/>
-              <a:t>2022-06-30</a:t>
+              <a:t>2022-07-11</a:t>
             </a:fld>
             <a:endParaRPr lang="ko-KR" altLang="en-US"/>
           </a:p>
@@ -1892,7 +1892,7 @@
           <a:p>
             <a:fld id="{82F7D3F4-816B-4FA6-91FC-91836ECD0E53}" type="datetime1">
               <a:rPr lang="ko-KR" altLang="en-US" smtClean="0"/>
-              <a:t>2022-06-30</a:t>
+              <a:t>2022-07-11</a:t>
             </a:fld>
             <a:endParaRPr lang="ko-KR" altLang="en-US"/>
           </a:p>
@@ -2177,7 +2177,7 @@
           <a:p>
             <a:fld id="{2FB9FCFF-984A-4549-AB53-391F9EC1244A}" type="datetime1">
               <a:rPr lang="ko-KR" altLang="en-US" smtClean="0"/>
-              <a:t>2022-06-30</a:t>
+              <a:t>2022-07-11</a:t>
             </a:fld>
             <a:endParaRPr lang="ko-KR" altLang="en-US"/>
           </a:p>
@@ -2596,7 +2596,7 @@
           <a:p>
             <a:fld id="{94618DE4-C4FE-4171-90C7-38CF01638033}" type="datetime1">
               <a:rPr lang="ko-KR" altLang="en-US" smtClean="0"/>
-              <a:t>2022-06-30</a:t>
+              <a:t>2022-07-11</a:t>
             </a:fld>
             <a:endParaRPr lang="ko-KR" altLang="en-US"/>
           </a:p>
@@ -2713,7 +2713,7 @@
           <a:p>
             <a:fld id="{33587621-9D18-4C20-9B84-3E938621A025}" type="datetime1">
               <a:rPr lang="ko-KR" altLang="en-US" smtClean="0"/>
-              <a:t>2022-06-30</a:t>
+              <a:t>2022-07-11</a:t>
             </a:fld>
             <a:endParaRPr lang="ko-KR" altLang="en-US"/>
           </a:p>
@@ -3397,7 +3397,7 @@
           <a:p>
             <a:fld id="{B517649B-2577-404C-858E-51E9DEBB2548}" type="datetime1">
               <a:rPr lang="ko-KR" altLang="en-US" smtClean="0"/>
-              <a:t>2022-06-30</a:t>
+              <a:t>2022-07-11</a:t>
             </a:fld>
             <a:endParaRPr lang="ko-KR" altLang="en-US"/>
           </a:p>
@@ -3649,7 +3649,7 @@
           <a:p>
             <a:fld id="{8D84C674-EF46-4F27-9E3E-4F6A170B0DC6}" type="datetime1">
               <a:rPr lang="ko-KR" altLang="en-US" smtClean="0"/>
-              <a:t>2022-06-30</a:t>
+              <a:t>2022-07-11</a:t>
             </a:fld>
             <a:endParaRPr lang="ko-KR" altLang="en-US"/>
           </a:p>
@@ -3860,7 +3860,7 @@
           <a:p>
             <a:fld id="{B40F11ED-9D7B-4CCE-A57D-CC1D7760FB25}" type="datetime1">
               <a:rPr lang="ko-KR" altLang="en-US" smtClean="0"/>
-              <a:t>2022-06-30</a:t>
+              <a:t>2022-07-11</a:t>
             </a:fld>
             <a:endParaRPr lang="ko-KR" altLang="en-US"/>
           </a:p>
@@ -31361,7 +31361,9 @@
       </p:sp>
       <p:sp>
         <p:nvSpPr>
-          <p:cNvPr id="45" name="TextBox 44"/>
+          <p:cNvPr id="45" name="TextBox 44">
+            <a:hlinkClick r:id="rId2"/>
+          </p:cNvPr>
           <p:cNvSpPr txBox="1"/>
           <p:nvPr/>
         </p:nvSpPr>
@@ -31444,7 +31446,7 @@
             <p:nvPr/>
           </p:nvPicPr>
           <p:blipFill>
-            <a:blip r:embed="rId2" cstate="print">
+            <a:blip r:embed="rId3" cstate="print">
               <a:extLst>
                 <a:ext uri="{28A0092B-C50C-407E-A947-70E740481C1C}">
                   <a14:useLocalDpi xmlns:a14="http://schemas.microsoft.com/office/drawing/2010/main" val="0"/>
